--- a/class 9/lab 10 (DSA)/2. Presentation/DSA_9.pptx
+++ b/class 9/lab 10 (DSA)/2. Presentation/DSA_9.pptx
@@ -7,15 +7,11 @@
   <p:sldIdLst>
     <p:sldId id="256" r:id="rId3"/>
     <p:sldId id="257" r:id="rId4"/>
-    <p:sldId id="273" r:id="rId5"/>
-    <p:sldId id="275" r:id="rId6"/>
-    <p:sldId id="276" r:id="rId7"/>
-    <p:sldId id="277" r:id="rId8"/>
-    <p:sldId id="278" r:id="rId9"/>
-    <p:sldId id="274" r:id="rId10"/>
-    <p:sldId id="279" r:id="rId11"/>
-    <p:sldId id="280" r:id="rId12"/>
-    <p:sldId id="265" r:id="rId13"/>
+    <p:sldId id="283" r:id="rId5"/>
+    <p:sldId id="284" r:id="rId6"/>
+    <p:sldId id="285" r:id="rId7"/>
+    <p:sldId id="286" r:id="rId8"/>
+    <p:sldId id="265" r:id="rId9"/>
   </p:sldIdLst>
   <p:sldSz cx="12192000" cy="6858000"/>
   <p:notesSz cx="7103745" cy="10234295"/>
@@ -2862,24 +2858,7 @@
                 <a:latin typeface="Purisa" panose="02000603000000000000" charset="0"/>
                 <a:cs typeface="Purisa" panose="02000603000000000000" charset="0"/>
               </a:rPr>
-              <a:t>Class </a:t>
-            </a:r>
-            <a:r>
-              <a:rPr lang="" altLang="en-US" sz="4400" b="1">
-                <a:solidFill>
-                  <a:schemeClr val="tx1"/>
-                </a:solidFill>
-                <a:effectLst>
-                  <a:outerShdw blurRad="38100" dist="19050" dir="2700000" algn="tl" rotWithShape="0">
-                    <a:schemeClr val="dk1">
-                      <a:alpha val="40000"/>
-                    </a:schemeClr>
-                  </a:outerShdw>
-                </a:effectLst>
-                <a:latin typeface="Purisa" panose="02000603000000000000" charset="0"/>
-                <a:cs typeface="Purisa" panose="02000603000000000000" charset="0"/>
-              </a:rPr>
-              <a:t>IX</a:t>
+              <a:t>Class IX</a:t>
             </a:r>
             <a:endParaRPr lang="en-US" altLang="en-US" sz="4400" b="1">
               <a:solidFill>
@@ -2929,7 +2908,7 @@
                 <a:latin typeface="Purisa" panose="02000603000000000000" charset="0"/>
                 <a:cs typeface="Purisa" panose="02000603000000000000" charset="0"/>
               </a:rPr>
-              <a:t>8</a:t>
+              <a:t>10</a:t>
             </a:r>
             <a:endParaRPr lang="" altLang="en-US" sz="4400" b="1">
               <a:solidFill>
@@ -2980,7 +2959,7 @@
 </p:sld>
 </file>
 
-<file path=ppt/slides/slide10.xml><?xml version="1.0" encoding="utf-8"?>
+<file path=ppt/slides/slide2.xml><?xml version="1.0" encoding="utf-8"?>
 <p:sld xmlns:a="http://schemas.openxmlformats.org/drawingml/2006/main" xmlns:r="http://schemas.openxmlformats.org/officeDocument/2006/relationships" xmlns:p="http://schemas.openxmlformats.org/presentationml/2006/main">
   <p:cSld>
     <p:spTree>
@@ -3145,8 +3124,8 @@
         </p:nvSpPr>
         <p:spPr>
           <a:xfrm>
-            <a:off x="3760470" y="449580"/>
-            <a:ext cx="4770755" cy="922020"/>
+            <a:off x="2269490" y="535940"/>
+            <a:ext cx="5482590" cy="922020"/>
           </a:xfrm>
           <a:prstGeom prst="rect">
             <a:avLst/>
@@ -3158,19 +3137,13 @@
             <a:spAutoFit/>
           </a:bodyPr>
           <a:p>
-            <a:r>
-              <a:rPr lang="" altLang="en-US" sz="5400" b="1">
-                <a:latin typeface="Dingbats" charset="0"/>
-                <a:cs typeface="Dingbats" charset="0"/>
-              </a:rPr>
-              <a:t>Linked </a:t>
-            </a:r>
+            <a:pPr algn="l"/>
             <a:r>
               <a:rPr lang="en-US" altLang="en-US" sz="5400" b="1">
                 <a:latin typeface="Dingbats" charset="0"/>
                 <a:cs typeface="Dingbats" charset="0"/>
               </a:rPr>
-              <a:t>Lists</a:t>
+              <a:t>Linear Search</a:t>
             </a:r>
             <a:endParaRPr lang="en-US" altLang="en-US" sz="5400" b="1">
               <a:latin typeface="Dingbats" charset="0"/>
@@ -3187,8 +3160,8 @@
         </p:nvSpPr>
         <p:spPr>
           <a:xfrm>
-            <a:off x="1069340" y="4833620"/>
-            <a:ext cx="11045825" cy="953135"/>
+            <a:off x="617855" y="3984625"/>
+            <a:ext cx="4846955" cy="1198880"/>
           </a:xfrm>
           <a:prstGeom prst="rect">
             <a:avLst/>
@@ -3202,16 +3175,16 @@
           <a:p>
             <a:pPr algn="l"/>
             <a:r>
-              <a:rPr lang="en-US" sz="2800">
+              <a:rPr lang="en-US" sz="3600">
                 <a:solidFill>
                   <a:schemeClr val="bg2">
                     <a:lumMod val="10000"/>
                   </a:schemeClr>
                 </a:solidFill>
               </a:rPr>
-              <a:t>A linked list implementation maintains logical order without requiring physical storage requirements</a:t>
-            </a:r>
-            <a:endParaRPr lang="en-US" sz="2800">
+              <a:t>a very simple search algorithm</a:t>
+            </a:r>
+            <a:endParaRPr lang="en-US" sz="3600">
               <a:solidFill>
                 <a:schemeClr val="bg2">
                   <a:lumMod val="10000"/>
@@ -3223,41 +3196,30 @@
       </p:sp>
       <p:pic>
         <p:nvPicPr>
-          <p:cNvPr id="17" name="Picture 13" descr="IMG_256"/>
+          <p:cNvPr id="4" name="Picture 2" descr="IMG_256"/>
           <p:cNvPicPr>
             <a:picLocks noChangeAspect="1"/>
           </p:cNvPicPr>
           <p:nvPr/>
         </p:nvPicPr>
         <p:blipFill>
-          <a:blip r:embed="rId4">
-            <a:clrChange>
-              <a:clrFrom>
-                <a:srgbClr val="000000">
-                  <a:alpha val="0"/>
-                </a:srgbClr>
-              </a:clrFrom>
-              <a:clrTo>
-                <a:srgbClr val="000000">
-                  <a:alpha val="0"/>
-                  <a:alpha val="0"/>
-                </a:srgbClr>
-              </a:clrTo>
-            </a:clrChange>
-            <a:lum bright="-12000"/>
-          </a:blip>
+          <a:blip r:embed="rId4"/>
           <a:stretch>
             <a:fillRect/>
           </a:stretch>
         </p:blipFill>
         <p:spPr>
           <a:xfrm>
-            <a:off x="2214880" y="1941195"/>
-            <a:ext cx="9636760" cy="2358390"/>
+            <a:off x="4506595" y="1872615"/>
+            <a:ext cx="7296150" cy="1782445"/>
           </a:xfrm>
           <a:prstGeom prst="rect">
             <a:avLst/>
           </a:prstGeom>
+          <a:noFill/>
+          <a:ln w="9525">
+            <a:noFill/>
+          </a:ln>
         </p:spPr>
       </p:pic>
     </p:spTree>
@@ -3268,173 +3230,7 @@
 </p:sld>
 </file>
 
-<file path=ppt/slides/slide11.xml><?xml version="1.0" encoding="utf-8"?>
-<p:sld xmlns:a="http://schemas.openxmlformats.org/drawingml/2006/main" xmlns:r="http://schemas.openxmlformats.org/officeDocument/2006/relationships" xmlns:p="http://schemas.openxmlformats.org/presentationml/2006/main">
-  <p:cSld>
-    <p:spTree>
-      <p:nvGrpSpPr>
-        <p:cNvPr id="1" name=""/>
-        <p:cNvGrpSpPr/>
-        <p:nvPr/>
-      </p:nvGrpSpPr>
-      <p:grpSpPr/>
-      <p:pic>
-        <p:nvPicPr>
-          <p:cNvPr id="5" name="Picture 4" descr="United TrusT Logo"/>
-          <p:cNvPicPr>
-            <a:picLocks noChangeAspect="1"/>
-          </p:cNvPicPr>
-          <p:nvPr/>
-        </p:nvPicPr>
-        <p:blipFill>
-          <a:blip r:embed="rId1"/>
-          <a:stretch>
-            <a:fillRect/>
-          </a:stretch>
-        </p:blipFill>
-        <p:spPr>
-          <a:xfrm>
-            <a:off x="108585" y="6128385"/>
-            <a:ext cx="1650365" cy="634365"/>
-          </a:xfrm>
-          <a:prstGeom prst="rect">
-            <a:avLst/>
-          </a:prstGeom>
-        </p:spPr>
-      </p:pic>
-      <p:pic>
-        <p:nvPicPr>
-          <p:cNvPr id="6" name="Picture 5" descr="bdedu_logo"/>
-          <p:cNvPicPr>
-            <a:picLocks noChangeAspect="1"/>
-          </p:cNvPicPr>
-          <p:nvPr/>
-        </p:nvPicPr>
-        <p:blipFill>
-          <a:blip r:embed="rId2"/>
-          <a:stretch>
-            <a:fillRect/>
-          </a:stretch>
-        </p:blipFill>
-        <p:spPr>
-          <a:xfrm>
-            <a:off x="9421495" y="6061710"/>
-            <a:ext cx="2693670" cy="701040"/>
-          </a:xfrm>
-          <a:prstGeom prst="rect">
-            <a:avLst/>
-          </a:prstGeom>
-        </p:spPr>
-      </p:pic>
-      <p:pic>
-        <p:nvPicPr>
-          <p:cNvPr id="4" name="Picture 3"/>
-          <p:cNvPicPr>
-            <a:picLocks noChangeAspect="1"/>
-          </p:cNvPicPr>
-          <p:nvPr/>
-        </p:nvPicPr>
-        <p:blipFill>
-          <a:blip r:embed="rId3">
-            <a:clrChange>
-              <a:clrFrom>
-                <a:srgbClr val="FFFFFF">
-                  <a:alpha val="100000"/>
-                </a:srgbClr>
-              </a:clrFrom>
-              <a:clrTo>
-                <a:srgbClr val="FFFFFF">
-                  <a:alpha val="100000"/>
-                  <a:alpha val="0"/>
-                </a:srgbClr>
-              </a:clrTo>
-            </a:clrChange>
-          </a:blip>
-          <a:stretch>
-            <a:fillRect/>
-          </a:stretch>
-        </p:blipFill>
-        <p:spPr>
-          <a:xfrm>
-            <a:off x="410845" y="407035"/>
-            <a:ext cx="7730490" cy="4349115"/>
-          </a:xfrm>
-          <a:prstGeom prst="rect">
-            <a:avLst/>
-          </a:prstGeom>
-        </p:spPr>
-      </p:pic>
-      <p:pic>
-        <p:nvPicPr>
-          <p:cNvPr id="7" name="Picture 6"/>
-          <p:cNvPicPr>
-            <a:picLocks noChangeAspect="1"/>
-          </p:cNvPicPr>
-          <p:nvPr/>
-        </p:nvPicPr>
-        <p:blipFill>
-          <a:blip r:embed="rId4">
-            <a:clrChange>
-              <a:clrFrom>
-                <a:srgbClr val="FFFFFF">
-                  <a:alpha val="100000"/>
-                </a:srgbClr>
-              </a:clrFrom>
-              <a:clrTo>
-                <a:srgbClr val="FFFFFF">
-                  <a:alpha val="100000"/>
-                  <a:alpha val="0"/>
-                </a:srgbClr>
-              </a:clrTo>
-            </a:clrChange>
-          </a:blip>
-          <a:stretch>
-            <a:fillRect/>
-          </a:stretch>
-        </p:blipFill>
-        <p:spPr>
-          <a:xfrm>
-            <a:off x="4281170" y="4139565"/>
-            <a:ext cx="3629660" cy="1814830"/>
-          </a:xfrm>
-          <a:prstGeom prst="rect">
-            <a:avLst/>
-          </a:prstGeom>
-        </p:spPr>
-      </p:pic>
-      <p:pic>
-        <p:nvPicPr>
-          <p:cNvPr id="8" name="Picture 7"/>
-          <p:cNvPicPr>
-            <a:picLocks noChangeAspect="1"/>
-          </p:cNvPicPr>
-          <p:nvPr/>
-        </p:nvPicPr>
-        <p:blipFill>
-          <a:blip r:embed="rId5"/>
-          <a:stretch>
-            <a:fillRect/>
-          </a:stretch>
-        </p:blipFill>
-        <p:spPr>
-          <a:xfrm rot="18600000">
-            <a:off x="7592695" y="1367155"/>
-            <a:ext cx="4523105" cy="3270885"/>
-          </a:xfrm>
-          <a:prstGeom prst="rect">
-            <a:avLst/>
-          </a:prstGeom>
-        </p:spPr>
-      </p:pic>
-    </p:spTree>
-  </p:cSld>
-  <p:clrMapOvr>
-    <a:masterClrMapping/>
-  </p:clrMapOvr>
-</p:sld>
-</file>
-
-<file path=ppt/slides/slide2.xml><?xml version="1.0" encoding="utf-8"?>
+<file path=ppt/slides/slide3.xml><?xml version="1.0" encoding="utf-8"?>
 <p:sld xmlns:a="http://schemas.openxmlformats.org/drawingml/2006/main" xmlns:r="http://schemas.openxmlformats.org/officeDocument/2006/relationships" xmlns:p="http://schemas.openxmlformats.org/presentationml/2006/main">
   <p:cSld>
     <p:spTree>
@@ -3600,7 +3396,7 @@
         <p:spPr>
           <a:xfrm>
             <a:off x="2269490" y="535940"/>
-            <a:ext cx="6116320" cy="922020"/>
+            <a:ext cx="4830445" cy="922020"/>
           </a:xfrm>
           <a:prstGeom prst="rect">
             <a:avLst/>
@@ -3612,14 +3408,15 @@
             <a:spAutoFit/>
           </a:bodyPr>
           <a:p>
-            <a:r>
-              <a:rPr lang="" altLang="en-US" sz="5400" b="1">
+            <a:pPr algn="l"/>
+            <a:r>
+              <a:rPr lang="en-US" altLang="en-US" sz="5400" b="1">
                 <a:latin typeface="Dingbats" charset="0"/>
                 <a:cs typeface="Dingbats" charset="0"/>
               </a:rPr>
-              <a:t>Data Structure </a:t>
-            </a:r>
-            <a:endParaRPr lang="" altLang="en-US" sz="5400" b="1">
+              <a:t>Pseudocode</a:t>
+            </a:r>
+            <a:endParaRPr lang="en-US" altLang="en-US" sz="5400" b="1">
               <a:latin typeface="Dingbats" charset="0"/>
               <a:cs typeface="Dingbats" charset="0"/>
             </a:endParaRPr>
@@ -3634,8 +3431,8 @@
         </p:nvSpPr>
         <p:spPr>
           <a:xfrm>
-            <a:off x="461645" y="5108575"/>
-            <a:ext cx="11653520" cy="521970"/>
+            <a:off x="4649470" y="5176520"/>
+            <a:ext cx="6807835" cy="521970"/>
           </a:xfrm>
           <a:prstGeom prst="rect">
             <a:avLst/>
@@ -3649,16 +3446,16 @@
           <a:p>
             <a:pPr algn="l"/>
             <a:r>
-              <a:rPr lang="en-US" sz="2800">
+              <a:rPr lang="" altLang="en-US" sz="2800">
                 <a:solidFill>
                   <a:schemeClr val="bg2">
                     <a:lumMod val="10000"/>
                   </a:schemeClr>
                 </a:solidFill>
               </a:rPr>
-              <a:t>Linear data structures maintain their data in an ordered fashion</a:t>
-            </a:r>
-            <a:endParaRPr lang="en-US" sz="2800">
+              <a:t>helps to create algorithm</a:t>
+            </a:r>
+            <a:endParaRPr lang="" altLang="en-US" sz="2800">
               <a:solidFill>
                 <a:schemeClr val="bg2">
                   <a:lumMod val="10000"/>
@@ -3670,7 +3467,7 @@
       </p:sp>
       <p:pic>
         <p:nvPicPr>
-          <p:cNvPr id="7" name="Picture 1" descr="IMG_256"/>
+          <p:cNvPr id="4" name="Picture 3" descr="IMG_256"/>
           <p:cNvPicPr>
             <a:picLocks noChangeAspect="1"/>
           </p:cNvPicPr>
@@ -3680,18 +3477,17 @@
           <a:blip r:embed="rId4">
             <a:clrChange>
               <a:clrFrom>
-                <a:srgbClr val="FFFFFF">
+                <a:srgbClr val="4ED9DB">
                   <a:alpha val="100000"/>
                 </a:srgbClr>
               </a:clrFrom>
               <a:clrTo>
-                <a:srgbClr val="FFFFFF">
+                <a:srgbClr val="4ED9DB">
                   <a:alpha val="100000"/>
                   <a:alpha val="0"/>
                 </a:srgbClr>
               </a:clrTo>
             </a:clrChange>
-            <a:lum bright="-12000"/>
           </a:blip>
           <a:stretch>
             <a:fillRect/>
@@ -3699,8 +3495,8 @@
         </p:blipFill>
         <p:spPr>
           <a:xfrm>
-            <a:off x="2414270" y="1502410"/>
-            <a:ext cx="7726680" cy="3513455"/>
+            <a:off x="1253490" y="2044700"/>
+            <a:ext cx="6168390" cy="2768600"/>
           </a:xfrm>
           <a:prstGeom prst="rect">
             <a:avLst/>
@@ -3719,7 +3515,7 @@
 </p:sld>
 </file>
 
-<file path=ppt/slides/slide3.xml><?xml version="1.0" encoding="utf-8"?>
+<file path=ppt/slides/slide4.xml><?xml version="1.0" encoding="utf-8"?>
 <p:sld xmlns:a="http://schemas.openxmlformats.org/drawingml/2006/main" xmlns:r="http://schemas.openxmlformats.org/officeDocument/2006/relationships" xmlns:p="http://schemas.openxmlformats.org/presentationml/2006/main">
   <p:cSld>
     <p:spTree>
@@ -3786,7 +3582,7 @@
         <p:spPr>
           <a:xfrm>
             <a:off x="108585" y="363855"/>
-            <a:ext cx="10438130" cy="1094105"/>
+            <a:ext cx="11514455" cy="1528445"/>
           </a:xfrm>
           <a:custGeom>
             <a:avLst/>
@@ -3876,106 +3672,9 @@
           </a:p>
         </p:txBody>
       </p:sp>
-      <p:sp>
-        <p:nvSpPr>
-          <p:cNvPr id="3" name="Text Box 2"/>
-          <p:cNvSpPr txBox="1"/>
-          <p:nvPr/>
-        </p:nvSpPr>
-        <p:spPr>
-          <a:xfrm>
-            <a:off x="3760470" y="449580"/>
-            <a:ext cx="1926590" cy="922020"/>
-          </a:xfrm>
-          <a:prstGeom prst="rect">
-            <a:avLst/>
-          </a:prstGeom>
-          <a:noFill/>
-        </p:spPr>
-        <p:txBody>
-          <a:bodyPr wrap="none" rtlCol="0">
-            <a:spAutoFit/>
-          </a:bodyPr>
-          <a:p>
-            <a:r>
-              <a:rPr lang="" altLang="en-US" sz="5400" b="1">
-                <a:latin typeface="Dingbats" charset="0"/>
-                <a:cs typeface="Dingbats" charset="0"/>
-              </a:rPr>
-              <a:t>LIFO</a:t>
-            </a:r>
-            <a:endParaRPr lang="" altLang="en-US" sz="5400" b="1">
-              <a:latin typeface="Dingbats" charset="0"/>
-              <a:cs typeface="Dingbats" charset="0"/>
-            </a:endParaRPr>
-          </a:p>
-        </p:txBody>
-      </p:sp>
-      <p:sp>
-        <p:nvSpPr>
-          <p:cNvPr id="10" name="Text Box 9"/>
-          <p:cNvSpPr txBox="1"/>
-          <p:nvPr/>
-        </p:nvSpPr>
-        <p:spPr>
-          <a:xfrm>
-            <a:off x="573405" y="3168015"/>
-            <a:ext cx="5662295" cy="953135"/>
-          </a:xfrm>
-          <a:prstGeom prst="rect">
-            <a:avLst/>
-          </a:prstGeom>
-          <a:noFill/>
-        </p:spPr>
-        <p:txBody>
-          <a:bodyPr wrap="square" rtlCol="0">
-            <a:spAutoFit/>
-          </a:bodyPr>
-          <a:p>
-            <a:pPr algn="l"/>
-            <a:r>
-              <a:rPr lang="" altLang="en-US" sz="2800">
-                <a:solidFill>
-                  <a:schemeClr val="bg2">
-                    <a:lumMod val="10000"/>
-                  </a:schemeClr>
-                </a:solidFill>
-              </a:rPr>
-              <a:t>Stack maintains</a:t>
-            </a:r>
-            <a:endParaRPr lang="" altLang="en-US" sz="2800">
-              <a:solidFill>
-                <a:schemeClr val="bg2">
-                  <a:lumMod val="10000"/>
-                </a:schemeClr>
-              </a:solidFill>
-            </a:endParaRPr>
-          </a:p>
-          <a:p>
-            <a:pPr algn="l"/>
-            <a:r>
-              <a:rPr lang="" altLang="en-US" sz="2800">
-                <a:solidFill>
-                  <a:schemeClr val="bg2">
-                    <a:lumMod val="10000"/>
-                  </a:schemeClr>
-                </a:solidFill>
-              </a:rPr>
-              <a:t>Last In Fast Out</a:t>
-            </a:r>
-            <a:endParaRPr lang="" altLang="en-US" sz="2800">
-              <a:solidFill>
-                <a:schemeClr val="bg2">
-                  <a:lumMod val="10000"/>
-                </a:schemeClr>
-              </a:solidFill>
-            </a:endParaRPr>
-          </a:p>
-        </p:txBody>
-      </p:sp>
       <p:pic>
         <p:nvPicPr>
-          <p:cNvPr id="7" name="Picture 2" descr="IMG_256"/>
+          <p:cNvPr id="7" name="Picture 4" descr="IMG_256"/>
           <p:cNvPicPr>
             <a:picLocks noChangeAspect="1"/>
           </p:cNvPicPr>
@@ -3985,18 +3684,17 @@
           <a:blip r:embed="rId4">
             <a:clrChange>
               <a:clrFrom>
-                <a:srgbClr val="FFFFFF">
+                <a:srgbClr val="FDFDFD">
                   <a:alpha val="100000"/>
                 </a:srgbClr>
               </a:clrFrom>
               <a:clrTo>
-                <a:srgbClr val="FFFFFF">
+                <a:srgbClr val="FDFDFD">
                   <a:alpha val="100000"/>
                   <a:alpha val="0"/>
                 </a:srgbClr>
               </a:clrTo>
             </a:clrChange>
-            <a:lum bright="-12000"/>
           </a:blip>
           <a:stretch>
             <a:fillRect/>
@@ -4004,8 +3702,8 @@
         </p:blipFill>
         <p:spPr>
           <a:xfrm>
-            <a:off x="5325110" y="2033270"/>
-            <a:ext cx="6196965" cy="3870325"/>
+            <a:off x="1167130" y="9525"/>
+            <a:ext cx="9857105" cy="5866130"/>
           </a:xfrm>
           <a:prstGeom prst="rect">
             <a:avLst/>
@@ -4024,7 +3722,7 @@
 </p:sld>
 </file>
 
-<file path=ppt/slides/slide4.xml><?xml version="1.0" encoding="utf-8"?>
+<file path=ppt/slides/slide5.xml><?xml version="1.0" encoding="utf-8"?>
 <p:sld xmlns:a="http://schemas.openxmlformats.org/drawingml/2006/main" xmlns:r="http://schemas.openxmlformats.org/officeDocument/2006/relationships" xmlns:p="http://schemas.openxmlformats.org/presentationml/2006/main">
   <p:cSld>
     <p:spTree>
@@ -4189,8 +3887,8 @@
         </p:nvSpPr>
         <p:spPr>
           <a:xfrm>
-            <a:off x="2954655" y="655320"/>
-            <a:ext cx="4542790" cy="922020"/>
+            <a:off x="2269490" y="535940"/>
+            <a:ext cx="5550535" cy="922020"/>
           </a:xfrm>
           <a:prstGeom prst="rect">
             <a:avLst/>
@@ -4202,105 +3900,24 @@
             <a:spAutoFit/>
           </a:bodyPr>
           <a:p>
-            <a:r>
-              <a:rPr lang="" altLang="en-US" sz="5400" b="1">
+            <a:pPr algn="l"/>
+            <a:r>
+              <a:rPr lang="en-US" altLang="en-US" sz="5400" b="1">
                 <a:latin typeface="Dingbats" charset="0"/>
                 <a:cs typeface="Dingbats" charset="0"/>
               </a:rPr>
-              <a:t>PUSH / POP</a:t>
-            </a:r>
-            <a:endParaRPr lang="" altLang="en-US" sz="5400" b="1">
+              <a:t>Binary Search</a:t>
+            </a:r>
+            <a:endParaRPr lang="en-US" altLang="en-US" sz="5400" b="1">
               <a:latin typeface="Dingbats" charset="0"/>
               <a:cs typeface="Dingbats" charset="0"/>
             </a:endParaRPr>
           </a:p>
         </p:txBody>
       </p:sp>
-      <p:sp>
-        <p:nvSpPr>
-          <p:cNvPr id="10" name="Text Box 9"/>
-          <p:cNvSpPr txBox="1"/>
-          <p:nvPr/>
-        </p:nvSpPr>
-        <p:spPr>
-          <a:xfrm>
-            <a:off x="573405" y="3168015"/>
-            <a:ext cx="5662295" cy="1383665"/>
-          </a:xfrm>
-          <a:prstGeom prst="rect">
-            <a:avLst/>
-          </a:prstGeom>
-          <a:noFill/>
-        </p:spPr>
-        <p:txBody>
-          <a:bodyPr wrap="square" rtlCol="0">
-            <a:spAutoFit/>
-          </a:bodyPr>
-          <a:p>
-            <a:pPr algn="l"/>
-            <a:r>
-              <a:rPr lang="en-US" altLang="en-US" sz="2800">
-                <a:solidFill>
-                  <a:schemeClr val="bg2">
-                    <a:lumMod val="10000"/>
-                  </a:schemeClr>
-                </a:solidFill>
-              </a:rPr>
-              <a:t>fundamental </a:t>
-            </a:r>
-            <a:endParaRPr lang="en-US" altLang="en-US" sz="2800">
-              <a:solidFill>
-                <a:schemeClr val="bg2">
-                  <a:lumMod val="10000"/>
-                </a:schemeClr>
-              </a:solidFill>
-            </a:endParaRPr>
-          </a:p>
-          <a:p>
-            <a:pPr algn="l"/>
-            <a:r>
-              <a:rPr lang="en-US" altLang="en-US" sz="2800">
-                <a:solidFill>
-                  <a:schemeClr val="bg2">
-                    <a:lumMod val="10000"/>
-                  </a:schemeClr>
-                </a:solidFill>
-              </a:rPr>
-              <a:t>operations for</a:t>
-            </a:r>
-            <a:endParaRPr lang="en-US" altLang="en-US" sz="2800">
-              <a:solidFill>
-                <a:schemeClr val="bg2">
-                  <a:lumMod val="10000"/>
-                </a:schemeClr>
-              </a:solidFill>
-            </a:endParaRPr>
-          </a:p>
-          <a:p>
-            <a:pPr algn="l"/>
-            <a:r>
-              <a:rPr lang="en-US" altLang="en-US" sz="2800">
-                <a:solidFill>
-                  <a:schemeClr val="bg2">
-                    <a:lumMod val="10000"/>
-                  </a:schemeClr>
-                </a:solidFill>
-              </a:rPr>
-              <a:t>a stack</a:t>
-            </a:r>
-            <a:endParaRPr lang="en-US" altLang="en-US" sz="2800">
-              <a:solidFill>
-                <a:schemeClr val="bg2">
-                  <a:lumMod val="10000"/>
-                </a:schemeClr>
-              </a:solidFill>
-            </a:endParaRPr>
-          </a:p>
-        </p:txBody>
-      </p:sp>
       <p:pic>
         <p:nvPicPr>
-          <p:cNvPr id="4" name="Picture 3" descr="IMG_256"/>
+          <p:cNvPr id="11" name="Picture 7" descr="IMG_256"/>
           <p:cNvPicPr>
             <a:picLocks noChangeAspect="1"/>
           </p:cNvPicPr>
@@ -4329,8 +3946,8 @@
         </p:blipFill>
         <p:spPr>
           <a:xfrm>
-            <a:off x="4674235" y="1577340"/>
-            <a:ext cx="6370320" cy="4450715"/>
+            <a:off x="1758315" y="1457960"/>
+            <a:ext cx="7223760" cy="4959985"/>
           </a:xfrm>
           <a:prstGeom prst="rect">
             <a:avLst/>
@@ -4349,7 +3966,7 @@
 </p:sld>
 </file>
 
-<file path=ppt/slides/slide5.xml><?xml version="1.0" encoding="utf-8"?>
+<file path=ppt/slides/slide6.xml><?xml version="1.0" encoding="utf-8"?>
 <p:sld xmlns:a="http://schemas.openxmlformats.org/drawingml/2006/main" xmlns:r="http://schemas.openxmlformats.org/officeDocument/2006/relationships" xmlns:p="http://schemas.openxmlformats.org/presentationml/2006/main">
   <p:cSld>
     <p:spTree>
@@ -4514,8 +4131,8 @@
         </p:nvSpPr>
         <p:spPr>
           <a:xfrm>
-            <a:off x="3968115" y="441960"/>
-            <a:ext cx="1958340" cy="922020"/>
+            <a:off x="2269490" y="535940"/>
+            <a:ext cx="5550535" cy="922020"/>
           </a:xfrm>
           <a:prstGeom prst="rect">
             <a:avLst/>
@@ -4527,432 +4144,24 @@
             <a:spAutoFit/>
           </a:bodyPr>
           <a:p>
-            <a:r>
-              <a:rPr lang="" altLang="en-US" sz="5400" b="1">
+            <a:pPr algn="l"/>
+            <a:r>
+              <a:rPr lang="en-US" altLang="en-US" sz="5400" b="1">
                 <a:latin typeface="Dingbats" charset="0"/>
                 <a:cs typeface="Dingbats" charset="0"/>
               </a:rPr>
-              <a:t>FIFO</a:t>
-            </a:r>
-            <a:endParaRPr lang="" altLang="en-US" sz="5400" b="1">
+              <a:t>Binary Search</a:t>
+            </a:r>
+            <a:endParaRPr lang="en-US" altLang="en-US" sz="5400" b="1">
               <a:latin typeface="Dingbats" charset="0"/>
               <a:cs typeface="Dingbats" charset="0"/>
             </a:endParaRPr>
           </a:p>
         </p:txBody>
       </p:sp>
-      <p:sp>
-        <p:nvSpPr>
-          <p:cNvPr id="10" name="Text Box 9"/>
-          <p:cNvSpPr txBox="1"/>
-          <p:nvPr/>
-        </p:nvSpPr>
-        <p:spPr>
-          <a:xfrm>
-            <a:off x="573405" y="3168015"/>
-            <a:ext cx="5662295" cy="1814830"/>
-          </a:xfrm>
-          <a:prstGeom prst="rect">
-            <a:avLst/>
-          </a:prstGeom>
-          <a:noFill/>
-        </p:spPr>
-        <p:txBody>
-          <a:bodyPr wrap="square" rtlCol="0">
-            <a:spAutoFit/>
-          </a:bodyPr>
-          <a:p>
-            <a:pPr algn="l"/>
-            <a:r>
-              <a:rPr lang="" altLang="en-US" sz="2800">
-                <a:solidFill>
-                  <a:schemeClr val="bg2">
-                    <a:lumMod val="10000"/>
-                  </a:schemeClr>
-                </a:solidFill>
-              </a:rPr>
-              <a:t>Queue maintains</a:t>
-            </a:r>
-            <a:endParaRPr lang="" altLang="en-US" sz="2800">
-              <a:solidFill>
-                <a:schemeClr val="bg2">
-                  <a:lumMod val="10000"/>
-                </a:schemeClr>
-              </a:solidFill>
-            </a:endParaRPr>
-          </a:p>
-          <a:p>
-            <a:pPr algn="l"/>
-            <a:r>
-              <a:rPr lang="" altLang="en-US" sz="2800">
-                <a:solidFill>
-                  <a:schemeClr val="bg2">
-                    <a:lumMod val="10000"/>
-                  </a:schemeClr>
-                </a:solidFill>
-              </a:rPr>
-              <a:t>Fast in Fast Out</a:t>
-            </a:r>
-            <a:endParaRPr lang="" altLang="en-US" sz="2800">
-              <a:solidFill>
-                <a:schemeClr val="bg2">
-                  <a:lumMod val="10000"/>
-                </a:schemeClr>
-              </a:solidFill>
-            </a:endParaRPr>
-          </a:p>
-          <a:p>
-            <a:pPr algn="l"/>
-            <a:endParaRPr lang="" altLang="en-US" sz="2800">
-              <a:solidFill>
-                <a:schemeClr val="bg2">
-                  <a:lumMod val="10000"/>
-                </a:schemeClr>
-              </a:solidFill>
-            </a:endParaRPr>
-          </a:p>
-          <a:p>
-            <a:pPr algn="l"/>
-            <a:endParaRPr lang="" altLang="en-US" sz="2800">
-              <a:solidFill>
-                <a:schemeClr val="bg2">
-                  <a:lumMod val="10000"/>
-                </a:schemeClr>
-              </a:solidFill>
-            </a:endParaRPr>
-          </a:p>
-        </p:txBody>
-      </p:sp>
       <p:pic>
         <p:nvPicPr>
-          <p:cNvPr id="8" name="Picture 4" descr="IMG_256"/>
-          <p:cNvPicPr>
-            <a:picLocks noChangeAspect="1"/>
-          </p:cNvPicPr>
-          <p:nvPr/>
-        </p:nvPicPr>
-        <p:blipFill>
-          <a:blip r:embed="rId4">
-            <a:clrChange>
-              <a:clrFrom>
-                <a:srgbClr val="D9D9D9">
-                  <a:alpha val="100000"/>
-                </a:srgbClr>
-              </a:clrFrom>
-              <a:clrTo>
-                <a:srgbClr val="D9D9D9">
-                  <a:alpha val="100000"/>
-                  <a:alpha val="0"/>
-                </a:srgbClr>
-              </a:clrTo>
-            </a:clrChange>
-            <a:lum bright="-6000"/>
-          </a:blip>
-          <a:stretch>
-            <a:fillRect/>
-          </a:stretch>
-        </p:blipFill>
-        <p:spPr>
-          <a:xfrm>
-            <a:off x="3404235" y="2270125"/>
-            <a:ext cx="8807450" cy="3791585"/>
-          </a:xfrm>
-          <a:prstGeom prst="rect">
-            <a:avLst/>
-          </a:prstGeom>
-          <a:noFill/>
-          <a:ln w="9525">
-            <a:noFill/>
-          </a:ln>
-        </p:spPr>
-      </p:pic>
-    </p:spTree>
-  </p:cSld>
-  <p:clrMapOvr>
-    <a:masterClrMapping/>
-  </p:clrMapOvr>
-</p:sld>
-</file>
-
-<file path=ppt/slides/slide6.xml><?xml version="1.0" encoding="utf-8"?>
-<p:sld xmlns:a="http://schemas.openxmlformats.org/drawingml/2006/main" xmlns:r="http://schemas.openxmlformats.org/officeDocument/2006/relationships" xmlns:p="http://schemas.openxmlformats.org/presentationml/2006/main">
-  <p:cSld>
-    <p:spTree>
-      <p:nvGrpSpPr>
-        <p:cNvPr id="1" name=""/>
-        <p:cNvGrpSpPr/>
-        <p:nvPr/>
-      </p:nvGrpSpPr>
-      <p:grpSpPr/>
-      <p:pic>
-        <p:nvPicPr>
-          <p:cNvPr id="5" name="Picture 4" descr="United TrusT Logo"/>
-          <p:cNvPicPr>
-            <a:picLocks noChangeAspect="1"/>
-          </p:cNvPicPr>
-          <p:nvPr/>
-        </p:nvPicPr>
-        <p:blipFill>
-          <a:blip r:embed="rId1"/>
-          <a:stretch>
-            <a:fillRect/>
-          </a:stretch>
-        </p:blipFill>
-        <p:spPr>
-          <a:xfrm>
-            <a:off x="108585" y="6128385"/>
-            <a:ext cx="1650365" cy="634365"/>
-          </a:xfrm>
-          <a:prstGeom prst="rect">
-            <a:avLst/>
-          </a:prstGeom>
-        </p:spPr>
-      </p:pic>
-      <p:pic>
-        <p:nvPicPr>
-          <p:cNvPr id="6" name="Picture 5" descr="bdedu_logo"/>
-          <p:cNvPicPr>
-            <a:picLocks noChangeAspect="1"/>
-          </p:cNvPicPr>
-          <p:nvPr/>
-        </p:nvPicPr>
-        <p:blipFill>
-          <a:blip r:embed="rId2"/>
-          <a:stretch>
-            <a:fillRect/>
-          </a:stretch>
-        </p:blipFill>
-        <p:spPr>
-          <a:xfrm>
-            <a:off x="9421495" y="6061710"/>
-            <a:ext cx="2693670" cy="701040"/>
-          </a:xfrm>
-          <a:prstGeom prst="rect">
-            <a:avLst/>
-          </a:prstGeom>
-        </p:spPr>
-      </p:pic>
-      <p:sp>
-        <p:nvSpPr>
-          <p:cNvPr id="2" name="Freeform 1"/>
-          <p:cNvSpPr/>
-          <p:nvPr/>
-        </p:nvSpPr>
-        <p:spPr>
-          <a:xfrm>
-            <a:off x="108585" y="363855"/>
-            <a:ext cx="10438130" cy="1094105"/>
-          </a:xfrm>
-          <a:custGeom>
-            <a:avLst/>
-            <a:gdLst>
-              <a:gd name="connsiteX0" fmla="*/ 0 w 16438"/>
-              <a:gd name="connsiteY0" fmla="*/ 0 h 1723"/>
-              <a:gd name="connsiteX1" fmla="*/ 15254 w 16438"/>
-              <a:gd name="connsiteY1" fmla="*/ 27 h 1723"/>
-              <a:gd name="connsiteX2" fmla="*/ 16438 w 16438"/>
-              <a:gd name="connsiteY2" fmla="*/ 1723 h 1723"/>
-              <a:gd name="connsiteX3" fmla="*/ 0 w 16438"/>
-              <a:gd name="connsiteY3" fmla="*/ 1723 h 1723"/>
-              <a:gd name="connsiteX4" fmla="*/ 0 w 16438"/>
-              <a:gd name="connsiteY4" fmla="*/ 0 h 1723"/>
-            </a:gdLst>
-            <a:ahLst/>
-            <a:cxnLst>
-              <a:cxn ang="0">
-                <a:pos x="connsiteX0" y="connsiteY0"/>
-              </a:cxn>
-              <a:cxn ang="0">
-                <a:pos x="connsiteX1" y="connsiteY1"/>
-              </a:cxn>
-              <a:cxn ang="0">
-                <a:pos x="connsiteX2" y="connsiteY2"/>
-              </a:cxn>
-              <a:cxn ang="0">
-                <a:pos x="connsiteX3" y="connsiteY3"/>
-              </a:cxn>
-              <a:cxn ang="0">
-                <a:pos x="connsiteX4" y="connsiteY4"/>
-              </a:cxn>
-            </a:cxnLst>
-            <a:rect l="l" t="t" r="r" b="b"/>
-            <a:pathLst>
-              <a:path w="16438" h="1723">
-                <a:moveTo>
-                  <a:pt x="0" y="0"/>
-                </a:moveTo>
-                <a:lnTo>
-                  <a:pt x="15254" y="27"/>
-                </a:lnTo>
-                <a:lnTo>
-                  <a:pt x="16438" y="1723"/>
-                </a:lnTo>
-                <a:lnTo>
-                  <a:pt x="0" y="1723"/>
-                </a:lnTo>
-                <a:lnTo>
-                  <a:pt x="0" y="0"/>
-                </a:lnTo>
-                <a:close/>
-              </a:path>
-            </a:pathLst>
-          </a:custGeom>
-          <a:blipFill rotWithShape="1">
-            <a:blip r:embed="rId3"/>
-            <a:tile tx="0" ty="0" sx="100000" sy="100000" flip="none" algn="tl"/>
-          </a:blipFill>
-          <a:ln>
-            <a:solidFill>
-              <a:schemeClr val="bg1"/>
-            </a:solidFill>
-          </a:ln>
-        </p:spPr>
-        <p:style>
-          <a:lnRef idx="2">
-            <a:schemeClr val="accent1">
-              <a:shade val="50000"/>
-            </a:schemeClr>
-          </a:lnRef>
-          <a:fillRef idx="1">
-            <a:schemeClr val="accent1"/>
-          </a:fillRef>
-          <a:effectRef idx="0">
-            <a:schemeClr val="accent1"/>
-          </a:effectRef>
-          <a:fontRef idx="minor">
-            <a:schemeClr val="lt1"/>
-          </a:fontRef>
-        </p:style>
-        <p:txBody>
-          <a:bodyPr rtlCol="0" anchor="ctr"/>
-          <a:p>
-            <a:pPr algn="ctr"/>
-            <a:endParaRPr lang="en-US"/>
-          </a:p>
-        </p:txBody>
-      </p:sp>
-      <p:sp>
-        <p:nvSpPr>
-          <p:cNvPr id="3" name="Text Box 2"/>
-          <p:cNvSpPr txBox="1"/>
-          <p:nvPr/>
-        </p:nvSpPr>
-        <p:spPr>
-          <a:xfrm>
-            <a:off x="2022475" y="624840"/>
-            <a:ext cx="7283450" cy="922020"/>
-          </a:xfrm>
-          <a:prstGeom prst="rect">
-            <a:avLst/>
-          </a:prstGeom>
-          <a:noFill/>
-        </p:spPr>
-        <p:txBody>
-          <a:bodyPr wrap="none" rtlCol="0">
-            <a:spAutoFit/>
-          </a:bodyPr>
-          <a:p>
-            <a:r>
-              <a:rPr lang="" altLang="en-US" sz="5400" b="1">
-                <a:latin typeface="Dingbats" charset="0"/>
-                <a:cs typeface="Dingbats" charset="0"/>
-              </a:rPr>
-              <a:t>Infix/Prefix/Postfix</a:t>
-            </a:r>
-            <a:endParaRPr lang="" altLang="en-US" sz="5400" b="1">
-              <a:latin typeface="Dingbats" charset="0"/>
-              <a:cs typeface="Dingbats" charset="0"/>
-            </a:endParaRPr>
-          </a:p>
-        </p:txBody>
-      </p:sp>
-      <p:sp>
-        <p:nvSpPr>
-          <p:cNvPr id="10" name="Text Box 9"/>
-          <p:cNvSpPr txBox="1"/>
-          <p:nvPr/>
-        </p:nvSpPr>
-        <p:spPr>
-          <a:xfrm>
-            <a:off x="3395345" y="4599940"/>
-            <a:ext cx="6643370" cy="521970"/>
-          </a:xfrm>
-          <a:prstGeom prst="rect">
-            <a:avLst/>
-          </a:prstGeom>
-          <a:noFill/>
-        </p:spPr>
-        <p:txBody>
-          <a:bodyPr wrap="square" rtlCol="0">
-            <a:spAutoFit/>
-          </a:bodyPr>
-          <a:p>
-            <a:pPr algn="l"/>
-            <a:r>
-              <a:rPr lang="en-US" altLang="en-US" sz="2800">
-                <a:ln w="12700">
-                  <a:solidFill>
-                    <a:schemeClr val="tx2">
-                      <a:lumMod val="75000"/>
-                    </a:schemeClr>
-                  </a:solidFill>
-                  <a:prstDash val="solid"/>
-                </a:ln>
-                <a:pattFill prst="dkUpDiag">
-                  <a:fgClr>
-                    <a:schemeClr val="tx2"/>
-                  </a:fgClr>
-                  <a:bgClr>
-                    <a:schemeClr val="tx2">
-                      <a:lumMod val="20000"/>
-                      <a:lumOff val="80000"/>
-                    </a:schemeClr>
-                  </a:bgClr>
-                </a:pattFill>
-                <a:effectLst>
-                  <a:outerShdw dist="38100" dir="2640000" algn="bl" rotWithShape="0">
-                    <a:schemeClr val="tx2">
-                      <a:lumMod val="75000"/>
-                    </a:schemeClr>
-                  </a:outerShdw>
-                </a:effectLst>
-              </a:rPr>
-              <a:t>ways to write expressions</a:t>
-            </a:r>
-            <a:endParaRPr lang="en-US" altLang="en-US" sz="2800">
-              <a:ln w="12700">
-                <a:solidFill>
-                  <a:schemeClr val="tx2">
-                    <a:lumMod val="75000"/>
-                  </a:schemeClr>
-                </a:solidFill>
-                <a:prstDash val="solid"/>
-              </a:ln>
-              <a:pattFill prst="dkUpDiag">
-                <a:fgClr>
-                  <a:schemeClr val="tx2"/>
-                </a:fgClr>
-                <a:bgClr>
-                  <a:schemeClr val="tx2">
-                    <a:lumMod val="20000"/>
-                    <a:lumOff val="80000"/>
-                  </a:schemeClr>
-                </a:bgClr>
-              </a:pattFill>
-              <a:effectLst>
-                <a:outerShdw dist="38100" dir="2640000" algn="bl" rotWithShape="0">
-                  <a:schemeClr val="tx2">
-                    <a:lumMod val="75000"/>
-                  </a:schemeClr>
-                </a:outerShdw>
-              </a:effectLst>
-            </a:endParaRPr>
-          </a:p>
-        </p:txBody>
-      </p:sp>
-      <p:pic>
-        <p:nvPicPr>
-          <p:cNvPr id="4" name="Picture 6" descr="IMG_256"/>
+          <p:cNvPr id="11" name="Picture 7" descr="IMG_256"/>
           <p:cNvPicPr>
             <a:picLocks noChangeAspect="1"/>
           </p:cNvPicPr>
@@ -4973,6 +4182,7 @@
                 </a:srgbClr>
               </a:clrTo>
             </a:clrChange>
+            <a:lum bright="-6000"/>
           </a:blip>
           <a:stretch>
             <a:fillRect/>
@@ -4980,8 +4190,8 @@
         </p:blipFill>
         <p:spPr>
           <a:xfrm>
-            <a:off x="3240405" y="2040255"/>
-            <a:ext cx="8242935" cy="1845945"/>
+            <a:off x="1758315" y="1457960"/>
+            <a:ext cx="7223760" cy="4959985"/>
           </a:xfrm>
           <a:prstGeom prst="rect">
             <a:avLst/>
@@ -5058,227 +4268,47 @@
           </a:prstGeom>
         </p:spPr>
       </p:pic>
-      <p:sp>
-        <p:nvSpPr>
-          <p:cNvPr id="2" name="Freeform 1"/>
-          <p:cNvSpPr/>
+      <p:pic>
+        <p:nvPicPr>
+          <p:cNvPr id="4" name="Picture 3"/>
+          <p:cNvPicPr>
+            <a:picLocks noChangeAspect="1"/>
+          </p:cNvPicPr>
           <p:nvPr/>
-        </p:nvSpPr>
-        <p:spPr>
-          <a:xfrm>
-            <a:off x="108585" y="363855"/>
-            <a:ext cx="10438130" cy="1094105"/>
-          </a:xfrm>
-          <a:custGeom>
-            <a:avLst/>
-            <a:gdLst>
-              <a:gd name="connsiteX0" fmla="*/ 0 w 16438"/>
-              <a:gd name="connsiteY0" fmla="*/ 0 h 1723"/>
-              <a:gd name="connsiteX1" fmla="*/ 15254 w 16438"/>
-              <a:gd name="connsiteY1" fmla="*/ 27 h 1723"/>
-              <a:gd name="connsiteX2" fmla="*/ 16438 w 16438"/>
-              <a:gd name="connsiteY2" fmla="*/ 1723 h 1723"/>
-              <a:gd name="connsiteX3" fmla="*/ 0 w 16438"/>
-              <a:gd name="connsiteY3" fmla="*/ 1723 h 1723"/>
-              <a:gd name="connsiteX4" fmla="*/ 0 w 16438"/>
-              <a:gd name="connsiteY4" fmla="*/ 0 h 1723"/>
-            </a:gdLst>
-            <a:ahLst/>
-            <a:cxnLst>
-              <a:cxn ang="0">
-                <a:pos x="connsiteX0" y="connsiteY0"/>
-              </a:cxn>
-              <a:cxn ang="0">
-                <a:pos x="connsiteX1" y="connsiteY1"/>
-              </a:cxn>
-              <a:cxn ang="0">
-                <a:pos x="connsiteX2" y="connsiteY2"/>
-              </a:cxn>
-              <a:cxn ang="0">
-                <a:pos x="connsiteX3" y="connsiteY3"/>
-              </a:cxn>
-              <a:cxn ang="0">
-                <a:pos x="connsiteX4" y="connsiteY4"/>
-              </a:cxn>
-            </a:cxnLst>
-            <a:rect l="l" t="t" r="r" b="b"/>
-            <a:pathLst>
-              <a:path w="16438" h="1723">
-                <a:moveTo>
-                  <a:pt x="0" y="0"/>
-                </a:moveTo>
-                <a:lnTo>
-                  <a:pt x="15254" y="27"/>
-                </a:lnTo>
-                <a:lnTo>
-                  <a:pt x="16438" y="1723"/>
-                </a:lnTo>
-                <a:lnTo>
-                  <a:pt x="0" y="1723"/>
-                </a:lnTo>
-                <a:lnTo>
-                  <a:pt x="0" y="0"/>
-                </a:lnTo>
-                <a:close/>
-              </a:path>
-            </a:pathLst>
-          </a:custGeom>
-          <a:blipFill rotWithShape="1">
-            <a:blip r:embed="rId3"/>
-            <a:tile tx="0" ty="0" sx="100000" sy="100000" flip="none" algn="tl"/>
-          </a:blipFill>
-          <a:ln>
-            <a:solidFill>
-              <a:schemeClr val="bg1"/>
-            </a:solidFill>
-          </a:ln>
-        </p:spPr>
-        <p:style>
-          <a:lnRef idx="2">
-            <a:schemeClr val="accent1">
-              <a:shade val="50000"/>
-            </a:schemeClr>
-          </a:lnRef>
-          <a:fillRef idx="1">
-            <a:schemeClr val="accent1"/>
-          </a:fillRef>
-          <a:effectRef idx="0">
-            <a:schemeClr val="accent1"/>
-          </a:effectRef>
-          <a:fontRef idx="minor">
-            <a:schemeClr val="lt1"/>
-          </a:fontRef>
-        </p:style>
-        <p:txBody>
-          <a:bodyPr rtlCol="0" anchor="ctr"/>
-          <a:p>
-            <a:pPr algn="ctr"/>
-            <a:endParaRPr lang="en-US"/>
-          </a:p>
-        </p:txBody>
-      </p:sp>
-      <p:sp>
-        <p:nvSpPr>
-          <p:cNvPr id="3" name="Text Box 2"/>
-          <p:cNvSpPr txBox="1"/>
-          <p:nvPr/>
-        </p:nvSpPr>
-        <p:spPr>
-          <a:xfrm>
-            <a:off x="2022475" y="624840"/>
-            <a:ext cx="7283450" cy="922020"/>
+        </p:nvPicPr>
+        <p:blipFill>
+          <a:blip r:embed="rId3">
+            <a:clrChange>
+              <a:clrFrom>
+                <a:srgbClr val="FFFFFF">
+                  <a:alpha val="100000"/>
+                </a:srgbClr>
+              </a:clrFrom>
+              <a:clrTo>
+                <a:srgbClr val="FFFFFF">
+                  <a:alpha val="100000"/>
+                  <a:alpha val="0"/>
+                </a:srgbClr>
+              </a:clrTo>
+            </a:clrChange>
+          </a:blip>
+          <a:stretch>
+            <a:fillRect/>
+          </a:stretch>
+        </p:blipFill>
+        <p:spPr>
+          <a:xfrm>
+            <a:off x="410845" y="407035"/>
+            <a:ext cx="7730490" cy="4349115"/>
           </a:xfrm>
           <a:prstGeom prst="rect">
             <a:avLst/>
           </a:prstGeom>
-          <a:noFill/>
-        </p:spPr>
-        <p:txBody>
-          <a:bodyPr wrap="none" rtlCol="0">
-            <a:spAutoFit/>
-          </a:bodyPr>
-          <a:p>
-            <a:r>
-              <a:rPr lang="en-US" altLang="en-US" sz="5400" b="1">
-                <a:latin typeface="Dingbats" charset="0"/>
-                <a:cs typeface="Dingbats" charset="0"/>
-              </a:rPr>
-              <a:t>Infix/Prefix/Postfix</a:t>
-            </a:r>
-            <a:endParaRPr lang="en-US" altLang="en-US" sz="5400" b="1">
-              <a:latin typeface="Dingbats" charset="0"/>
-              <a:cs typeface="Dingbats" charset="0"/>
-            </a:endParaRPr>
-          </a:p>
-        </p:txBody>
-      </p:sp>
-      <p:sp>
-        <p:nvSpPr>
-          <p:cNvPr id="10" name="Text Box 9"/>
-          <p:cNvSpPr txBox="1"/>
-          <p:nvPr/>
-        </p:nvSpPr>
-        <p:spPr>
-          <a:xfrm>
-            <a:off x="3395345" y="4599940"/>
-            <a:ext cx="6643370" cy="521970"/>
-          </a:xfrm>
-          <a:prstGeom prst="rect">
-            <a:avLst/>
-          </a:prstGeom>
-          <a:noFill/>
-        </p:spPr>
-        <p:txBody>
-          <a:bodyPr wrap="square" rtlCol="0">
-            <a:spAutoFit/>
-          </a:bodyPr>
-          <a:p>
-            <a:pPr algn="l"/>
-            <a:r>
-              <a:rPr lang="en-US" altLang="en-US" sz="2800">
-                <a:ln w="12700">
-                  <a:solidFill>
-                    <a:schemeClr val="tx2">
-                      <a:lumMod val="75000"/>
-                    </a:schemeClr>
-                  </a:solidFill>
-                  <a:prstDash val="solid"/>
-                </a:ln>
-                <a:pattFill prst="dkUpDiag">
-                  <a:fgClr>
-                    <a:schemeClr val="tx2"/>
-                  </a:fgClr>
-                  <a:bgClr>
-                    <a:schemeClr val="tx2">
-                      <a:lumMod val="20000"/>
-                      <a:lumOff val="80000"/>
-                    </a:schemeClr>
-                  </a:bgClr>
-                </a:pattFill>
-                <a:effectLst>
-                  <a:outerShdw dist="38100" dir="2640000" algn="bl" rotWithShape="0">
-                    <a:schemeClr val="tx2">
-                      <a:lumMod val="75000"/>
-                    </a:schemeClr>
-                  </a:outerShdw>
-                </a:effectLst>
-              </a:rPr>
-              <a:t>ways to write expressions</a:t>
-            </a:r>
-            <a:endParaRPr lang="en-US" altLang="en-US" sz="2800">
-              <a:ln w="12700">
-                <a:solidFill>
-                  <a:schemeClr val="tx2">
-                    <a:lumMod val="75000"/>
-                  </a:schemeClr>
-                </a:solidFill>
-                <a:prstDash val="solid"/>
-              </a:ln>
-              <a:pattFill prst="dkUpDiag">
-                <a:fgClr>
-                  <a:schemeClr val="tx2"/>
-                </a:fgClr>
-                <a:bgClr>
-                  <a:schemeClr val="tx2">
-                    <a:lumMod val="20000"/>
-                    <a:lumOff val="80000"/>
-                  </a:schemeClr>
-                </a:bgClr>
-              </a:pattFill>
-              <a:effectLst>
-                <a:outerShdw dist="38100" dir="2640000" algn="bl" rotWithShape="0">
-                  <a:schemeClr val="tx2">
-                    <a:lumMod val="75000"/>
-                  </a:schemeClr>
-                </a:outerShdw>
-              </a:effectLst>
-            </a:endParaRPr>
-          </a:p>
-        </p:txBody>
-      </p:sp>
+        </p:spPr>
+      </p:pic>
       <p:pic>
         <p:nvPicPr>
-          <p:cNvPr id="4" name="Picture 6" descr="IMG_256"/>
+          <p:cNvPr id="7" name="Picture 6"/>
           <p:cNvPicPr>
             <a:picLocks noChangeAspect="1"/>
           </p:cNvPicPr>
@@ -5306,571 +4336,36 @@
         </p:blipFill>
         <p:spPr>
           <a:xfrm>
-            <a:off x="3240405" y="2040255"/>
-            <a:ext cx="8242935" cy="1845945"/>
+            <a:off x="4281170" y="4139565"/>
+            <a:ext cx="3629660" cy="1814830"/>
           </a:xfrm>
           <a:prstGeom prst="rect">
             <a:avLst/>
           </a:prstGeom>
-          <a:noFill/>
-          <a:ln w="9525">
-            <a:noFill/>
-          </a:ln>
         </p:spPr>
       </p:pic>
-    </p:spTree>
-  </p:cSld>
-  <p:clrMapOvr>
-    <a:masterClrMapping/>
-  </p:clrMapOvr>
-</p:sld>
-</file>
-
-<file path=ppt/slides/slide8.xml><?xml version="1.0" encoding="utf-8"?>
-<p:sld xmlns:a="http://schemas.openxmlformats.org/drawingml/2006/main" xmlns:r="http://schemas.openxmlformats.org/officeDocument/2006/relationships" xmlns:p="http://schemas.openxmlformats.org/presentationml/2006/main">
-  <p:cSld>
-    <p:spTree>
-      <p:nvGrpSpPr>
-        <p:cNvPr id="1" name=""/>
-        <p:cNvGrpSpPr/>
-        <p:nvPr/>
-      </p:nvGrpSpPr>
-      <p:grpSpPr/>
       <p:pic>
         <p:nvPicPr>
-          <p:cNvPr id="5" name="Picture 4" descr="United TrusT Logo"/>
+          <p:cNvPr id="8" name="Picture 7"/>
           <p:cNvPicPr>
             <a:picLocks noChangeAspect="1"/>
           </p:cNvPicPr>
           <p:nvPr/>
         </p:nvPicPr>
         <p:blipFill>
-          <a:blip r:embed="rId1"/>
+          <a:blip r:embed="rId5"/>
           <a:stretch>
             <a:fillRect/>
           </a:stretch>
         </p:blipFill>
         <p:spPr>
-          <a:xfrm>
-            <a:off x="108585" y="6128385"/>
-            <a:ext cx="1650365" cy="634365"/>
+          <a:xfrm rot="18600000">
+            <a:off x="7592695" y="1367155"/>
+            <a:ext cx="4523105" cy="3270885"/>
           </a:xfrm>
           <a:prstGeom prst="rect">
             <a:avLst/>
           </a:prstGeom>
-        </p:spPr>
-      </p:pic>
-      <p:pic>
-        <p:nvPicPr>
-          <p:cNvPr id="6" name="Picture 5" descr="bdedu_logo"/>
-          <p:cNvPicPr>
-            <a:picLocks noChangeAspect="1"/>
-          </p:cNvPicPr>
-          <p:nvPr/>
-        </p:nvPicPr>
-        <p:blipFill>
-          <a:blip r:embed="rId2"/>
-          <a:stretch>
-            <a:fillRect/>
-          </a:stretch>
-        </p:blipFill>
-        <p:spPr>
-          <a:xfrm>
-            <a:off x="9421495" y="6061710"/>
-            <a:ext cx="2693670" cy="701040"/>
-          </a:xfrm>
-          <a:prstGeom prst="rect">
-            <a:avLst/>
-          </a:prstGeom>
-        </p:spPr>
-      </p:pic>
-      <p:sp>
-        <p:nvSpPr>
-          <p:cNvPr id="2" name="Freeform 1"/>
-          <p:cNvSpPr/>
-          <p:nvPr/>
-        </p:nvSpPr>
-        <p:spPr>
-          <a:xfrm>
-            <a:off x="108585" y="363855"/>
-            <a:ext cx="10438130" cy="1094105"/>
-          </a:xfrm>
-          <a:custGeom>
-            <a:avLst/>
-            <a:gdLst>
-              <a:gd name="connsiteX0" fmla="*/ 0 w 16438"/>
-              <a:gd name="connsiteY0" fmla="*/ 0 h 1723"/>
-              <a:gd name="connsiteX1" fmla="*/ 15254 w 16438"/>
-              <a:gd name="connsiteY1" fmla="*/ 27 h 1723"/>
-              <a:gd name="connsiteX2" fmla="*/ 16438 w 16438"/>
-              <a:gd name="connsiteY2" fmla="*/ 1723 h 1723"/>
-              <a:gd name="connsiteX3" fmla="*/ 0 w 16438"/>
-              <a:gd name="connsiteY3" fmla="*/ 1723 h 1723"/>
-              <a:gd name="connsiteX4" fmla="*/ 0 w 16438"/>
-              <a:gd name="connsiteY4" fmla="*/ 0 h 1723"/>
-            </a:gdLst>
-            <a:ahLst/>
-            <a:cxnLst>
-              <a:cxn ang="0">
-                <a:pos x="connsiteX0" y="connsiteY0"/>
-              </a:cxn>
-              <a:cxn ang="0">
-                <a:pos x="connsiteX1" y="connsiteY1"/>
-              </a:cxn>
-              <a:cxn ang="0">
-                <a:pos x="connsiteX2" y="connsiteY2"/>
-              </a:cxn>
-              <a:cxn ang="0">
-                <a:pos x="connsiteX3" y="connsiteY3"/>
-              </a:cxn>
-              <a:cxn ang="0">
-                <a:pos x="connsiteX4" y="connsiteY4"/>
-              </a:cxn>
-            </a:cxnLst>
-            <a:rect l="l" t="t" r="r" b="b"/>
-            <a:pathLst>
-              <a:path w="16438" h="1723">
-                <a:moveTo>
-                  <a:pt x="0" y="0"/>
-                </a:moveTo>
-                <a:lnTo>
-                  <a:pt x="15254" y="27"/>
-                </a:lnTo>
-                <a:lnTo>
-                  <a:pt x="16438" y="1723"/>
-                </a:lnTo>
-                <a:lnTo>
-                  <a:pt x="0" y="1723"/>
-                </a:lnTo>
-                <a:lnTo>
-                  <a:pt x="0" y="0"/>
-                </a:lnTo>
-                <a:close/>
-              </a:path>
-            </a:pathLst>
-          </a:custGeom>
-          <a:blipFill rotWithShape="1">
-            <a:blip r:embed="rId3"/>
-            <a:tile tx="0" ty="0" sx="100000" sy="100000" flip="none" algn="tl"/>
-          </a:blipFill>
-          <a:ln>
-            <a:solidFill>
-              <a:schemeClr val="bg1"/>
-            </a:solidFill>
-          </a:ln>
-        </p:spPr>
-        <p:style>
-          <a:lnRef idx="2">
-            <a:schemeClr val="accent1">
-              <a:shade val="50000"/>
-            </a:schemeClr>
-          </a:lnRef>
-          <a:fillRef idx="1">
-            <a:schemeClr val="accent1"/>
-          </a:fillRef>
-          <a:effectRef idx="0">
-            <a:schemeClr val="accent1"/>
-          </a:effectRef>
-          <a:fontRef idx="minor">
-            <a:schemeClr val="lt1"/>
-          </a:fontRef>
-        </p:style>
-        <p:txBody>
-          <a:bodyPr rtlCol="0" anchor="ctr"/>
-          <a:p>
-            <a:pPr algn="ctr"/>
-            <a:endParaRPr lang="en-US"/>
-          </a:p>
-        </p:txBody>
-      </p:sp>
-      <p:sp>
-        <p:nvSpPr>
-          <p:cNvPr id="3" name="Text Box 2"/>
-          <p:cNvSpPr txBox="1"/>
-          <p:nvPr/>
-        </p:nvSpPr>
-        <p:spPr>
-          <a:xfrm>
-            <a:off x="3760470" y="449580"/>
-            <a:ext cx="2660650" cy="922020"/>
-          </a:xfrm>
-          <a:prstGeom prst="rect">
-            <a:avLst/>
-          </a:prstGeom>
-          <a:noFill/>
-        </p:spPr>
-        <p:txBody>
-          <a:bodyPr wrap="none" rtlCol="0">
-            <a:spAutoFit/>
-          </a:bodyPr>
-          <a:p>
-            <a:r>
-              <a:rPr lang="en-US" altLang="en-US" sz="5400" b="1">
-                <a:latin typeface="Dingbats" charset="0"/>
-                <a:cs typeface="Dingbats" charset="0"/>
-              </a:rPr>
-              <a:t>Deque</a:t>
-            </a:r>
-            <a:endParaRPr lang="en-US" altLang="en-US" sz="5400" b="1">
-              <a:latin typeface="Dingbats" charset="0"/>
-              <a:cs typeface="Dingbats" charset="0"/>
-            </a:endParaRPr>
-          </a:p>
-        </p:txBody>
-      </p:sp>
-      <p:sp>
-        <p:nvSpPr>
-          <p:cNvPr id="10" name="Text Box 9"/>
-          <p:cNvSpPr txBox="1"/>
-          <p:nvPr/>
-        </p:nvSpPr>
-        <p:spPr>
-          <a:xfrm>
-            <a:off x="1069340" y="4173220"/>
-            <a:ext cx="11045825" cy="953135"/>
-          </a:xfrm>
-          <a:prstGeom prst="rect">
-            <a:avLst/>
-          </a:prstGeom>
-          <a:noFill/>
-        </p:spPr>
-        <p:txBody>
-          <a:bodyPr wrap="square" rtlCol="0">
-            <a:spAutoFit/>
-          </a:bodyPr>
-          <a:p>
-            <a:pPr algn="l"/>
-            <a:r>
-              <a:rPr lang="en-US" sz="2800">
-                <a:solidFill>
-                  <a:schemeClr val="bg2">
-                    <a:lumMod val="10000"/>
-                  </a:schemeClr>
-                </a:solidFill>
-              </a:rPr>
-              <a:t>A deque, also known as a double-ended queue, is an ordered collection of items similar to the queue</a:t>
-            </a:r>
-            <a:endParaRPr lang="en-US" sz="2800">
-              <a:solidFill>
-                <a:schemeClr val="bg2">
-                  <a:lumMod val="10000"/>
-                </a:schemeClr>
-              </a:solidFill>
-            </a:endParaRPr>
-          </a:p>
-        </p:txBody>
-      </p:sp>
-      <p:pic>
-        <p:nvPicPr>
-          <p:cNvPr id="4" name="Picture 1" descr="IMG_256"/>
-          <p:cNvPicPr>
-            <a:picLocks noChangeAspect="1"/>
-          </p:cNvPicPr>
-          <p:nvPr/>
-        </p:nvPicPr>
-        <p:blipFill>
-          <a:blip r:embed="rId4"/>
-          <a:stretch>
-            <a:fillRect/>
-          </a:stretch>
-        </p:blipFill>
-        <p:spPr>
-          <a:xfrm>
-            <a:off x="1069340" y="1581785"/>
-            <a:ext cx="9067165" cy="2591435"/>
-          </a:xfrm>
-          <a:prstGeom prst="rect">
-            <a:avLst/>
-          </a:prstGeom>
-          <a:noFill/>
-          <a:ln w="9525">
-            <a:noFill/>
-          </a:ln>
-        </p:spPr>
-      </p:pic>
-    </p:spTree>
-  </p:cSld>
-  <p:clrMapOvr>
-    <a:masterClrMapping/>
-  </p:clrMapOvr>
-</p:sld>
-</file>
-
-<file path=ppt/slides/slide9.xml><?xml version="1.0" encoding="utf-8"?>
-<p:sld xmlns:a="http://schemas.openxmlformats.org/drawingml/2006/main" xmlns:r="http://schemas.openxmlformats.org/officeDocument/2006/relationships" xmlns:p="http://schemas.openxmlformats.org/presentationml/2006/main">
-  <p:cSld>
-    <p:spTree>
-      <p:nvGrpSpPr>
-        <p:cNvPr id="1" name=""/>
-        <p:cNvGrpSpPr/>
-        <p:nvPr/>
-      </p:nvGrpSpPr>
-      <p:grpSpPr/>
-      <p:pic>
-        <p:nvPicPr>
-          <p:cNvPr id="5" name="Picture 4" descr="United TrusT Logo"/>
-          <p:cNvPicPr>
-            <a:picLocks noChangeAspect="1"/>
-          </p:cNvPicPr>
-          <p:nvPr/>
-        </p:nvPicPr>
-        <p:blipFill>
-          <a:blip r:embed="rId1"/>
-          <a:stretch>
-            <a:fillRect/>
-          </a:stretch>
-        </p:blipFill>
-        <p:spPr>
-          <a:xfrm>
-            <a:off x="108585" y="6128385"/>
-            <a:ext cx="1650365" cy="634365"/>
-          </a:xfrm>
-          <a:prstGeom prst="rect">
-            <a:avLst/>
-          </a:prstGeom>
-        </p:spPr>
-      </p:pic>
-      <p:pic>
-        <p:nvPicPr>
-          <p:cNvPr id="6" name="Picture 5" descr="bdedu_logo"/>
-          <p:cNvPicPr>
-            <a:picLocks noChangeAspect="1"/>
-          </p:cNvPicPr>
-          <p:nvPr/>
-        </p:nvPicPr>
-        <p:blipFill>
-          <a:blip r:embed="rId2"/>
-          <a:stretch>
-            <a:fillRect/>
-          </a:stretch>
-        </p:blipFill>
-        <p:spPr>
-          <a:xfrm>
-            <a:off x="9421495" y="6061710"/>
-            <a:ext cx="2693670" cy="701040"/>
-          </a:xfrm>
-          <a:prstGeom prst="rect">
-            <a:avLst/>
-          </a:prstGeom>
-        </p:spPr>
-      </p:pic>
-      <p:sp>
-        <p:nvSpPr>
-          <p:cNvPr id="2" name="Freeform 1"/>
-          <p:cNvSpPr/>
-          <p:nvPr/>
-        </p:nvSpPr>
-        <p:spPr>
-          <a:xfrm>
-            <a:off x="108585" y="363855"/>
-            <a:ext cx="10438130" cy="1094105"/>
-          </a:xfrm>
-          <a:custGeom>
-            <a:avLst/>
-            <a:gdLst>
-              <a:gd name="connsiteX0" fmla="*/ 0 w 16438"/>
-              <a:gd name="connsiteY0" fmla="*/ 0 h 1723"/>
-              <a:gd name="connsiteX1" fmla="*/ 15254 w 16438"/>
-              <a:gd name="connsiteY1" fmla="*/ 27 h 1723"/>
-              <a:gd name="connsiteX2" fmla="*/ 16438 w 16438"/>
-              <a:gd name="connsiteY2" fmla="*/ 1723 h 1723"/>
-              <a:gd name="connsiteX3" fmla="*/ 0 w 16438"/>
-              <a:gd name="connsiteY3" fmla="*/ 1723 h 1723"/>
-              <a:gd name="connsiteX4" fmla="*/ 0 w 16438"/>
-              <a:gd name="connsiteY4" fmla="*/ 0 h 1723"/>
-            </a:gdLst>
-            <a:ahLst/>
-            <a:cxnLst>
-              <a:cxn ang="0">
-                <a:pos x="connsiteX0" y="connsiteY0"/>
-              </a:cxn>
-              <a:cxn ang="0">
-                <a:pos x="connsiteX1" y="connsiteY1"/>
-              </a:cxn>
-              <a:cxn ang="0">
-                <a:pos x="connsiteX2" y="connsiteY2"/>
-              </a:cxn>
-              <a:cxn ang="0">
-                <a:pos x="connsiteX3" y="connsiteY3"/>
-              </a:cxn>
-              <a:cxn ang="0">
-                <a:pos x="connsiteX4" y="connsiteY4"/>
-              </a:cxn>
-            </a:cxnLst>
-            <a:rect l="l" t="t" r="r" b="b"/>
-            <a:pathLst>
-              <a:path w="16438" h="1723">
-                <a:moveTo>
-                  <a:pt x="0" y="0"/>
-                </a:moveTo>
-                <a:lnTo>
-                  <a:pt x="15254" y="27"/>
-                </a:lnTo>
-                <a:lnTo>
-                  <a:pt x="16438" y="1723"/>
-                </a:lnTo>
-                <a:lnTo>
-                  <a:pt x="0" y="1723"/>
-                </a:lnTo>
-                <a:lnTo>
-                  <a:pt x="0" y="0"/>
-                </a:lnTo>
-                <a:close/>
-              </a:path>
-            </a:pathLst>
-          </a:custGeom>
-          <a:blipFill rotWithShape="1">
-            <a:blip r:embed="rId3"/>
-            <a:tile tx="0" ty="0" sx="100000" sy="100000" flip="none" algn="tl"/>
-          </a:blipFill>
-          <a:ln>
-            <a:solidFill>
-              <a:schemeClr val="bg1"/>
-            </a:solidFill>
-          </a:ln>
-        </p:spPr>
-        <p:style>
-          <a:lnRef idx="2">
-            <a:schemeClr val="accent1">
-              <a:shade val="50000"/>
-            </a:schemeClr>
-          </a:lnRef>
-          <a:fillRef idx="1">
-            <a:schemeClr val="accent1"/>
-          </a:fillRef>
-          <a:effectRef idx="0">
-            <a:schemeClr val="accent1"/>
-          </a:effectRef>
-          <a:fontRef idx="minor">
-            <a:schemeClr val="lt1"/>
-          </a:fontRef>
-        </p:style>
-        <p:txBody>
-          <a:bodyPr rtlCol="0" anchor="ctr"/>
-          <a:p>
-            <a:pPr algn="ctr"/>
-            <a:endParaRPr lang="en-US"/>
-          </a:p>
-        </p:txBody>
-      </p:sp>
-      <p:sp>
-        <p:nvSpPr>
-          <p:cNvPr id="3" name="Text Box 2"/>
-          <p:cNvSpPr txBox="1"/>
-          <p:nvPr/>
-        </p:nvSpPr>
-        <p:spPr>
-          <a:xfrm>
-            <a:off x="3760470" y="449580"/>
-            <a:ext cx="1998980" cy="922020"/>
-          </a:xfrm>
-          <a:prstGeom prst="rect">
-            <a:avLst/>
-          </a:prstGeom>
-          <a:noFill/>
-        </p:spPr>
-        <p:txBody>
-          <a:bodyPr wrap="none" rtlCol="0">
-            <a:spAutoFit/>
-          </a:bodyPr>
-          <a:p>
-            <a:r>
-              <a:rPr lang="" altLang="en-US" sz="5400" b="1">
-                <a:latin typeface="Dingbats" charset="0"/>
-                <a:cs typeface="Dingbats" charset="0"/>
-              </a:rPr>
-              <a:t>Lists</a:t>
-            </a:r>
-            <a:endParaRPr lang="" altLang="en-US" sz="5400" b="1">
-              <a:latin typeface="Dingbats" charset="0"/>
-              <a:cs typeface="Dingbats" charset="0"/>
-            </a:endParaRPr>
-          </a:p>
-        </p:txBody>
-      </p:sp>
-      <p:sp>
-        <p:nvSpPr>
-          <p:cNvPr id="10" name="Text Box 9"/>
-          <p:cNvSpPr txBox="1"/>
-          <p:nvPr/>
-        </p:nvSpPr>
-        <p:spPr>
-          <a:xfrm>
-            <a:off x="1069340" y="4869180"/>
-            <a:ext cx="11045825" cy="953135"/>
-          </a:xfrm>
-          <a:prstGeom prst="rect">
-            <a:avLst/>
-          </a:prstGeom>
-          <a:noFill/>
-        </p:spPr>
-        <p:txBody>
-          <a:bodyPr wrap="square" rtlCol="0">
-            <a:spAutoFit/>
-          </a:bodyPr>
-          <a:p>
-            <a:pPr algn="l"/>
-            <a:r>
-              <a:rPr lang="en-US" sz="2800">
-                <a:solidFill>
-                  <a:schemeClr val="bg2">
-                    <a:lumMod val="10000"/>
-                  </a:schemeClr>
-                </a:solidFill>
-              </a:rPr>
-              <a:t>Lists are collections of items where each item holds a relative position.</a:t>
-            </a:r>
-            <a:endParaRPr lang="en-US" sz="2800">
-              <a:solidFill>
-                <a:schemeClr val="bg2">
-                  <a:lumMod val="10000"/>
-                </a:schemeClr>
-              </a:solidFill>
-            </a:endParaRPr>
-          </a:p>
-        </p:txBody>
-      </p:sp>
-      <p:pic>
-        <p:nvPicPr>
-          <p:cNvPr id="16" name="Picture 12" descr="IMG_256"/>
-          <p:cNvPicPr>
-            <a:picLocks noChangeAspect="1"/>
-          </p:cNvPicPr>
-          <p:nvPr/>
-        </p:nvPicPr>
-        <p:blipFill>
-          <a:blip r:embed="rId4">
-            <a:clrChange>
-              <a:clrFrom>
-                <a:srgbClr val="FFFFFF">
-                  <a:alpha val="100000"/>
-                </a:srgbClr>
-              </a:clrFrom>
-              <a:clrTo>
-                <a:srgbClr val="FFFFFF">
-                  <a:alpha val="100000"/>
-                  <a:alpha val="0"/>
-                </a:srgbClr>
-              </a:clrTo>
-            </a:clrChange>
-            <a:lum bright="-6000"/>
-          </a:blip>
-          <a:stretch>
-            <a:fillRect/>
-          </a:stretch>
-        </p:blipFill>
-        <p:spPr>
-          <a:xfrm>
-            <a:off x="2761615" y="1601470"/>
-            <a:ext cx="6976110" cy="3123565"/>
-          </a:xfrm>
-          <a:prstGeom prst="rect">
-            <a:avLst/>
-          </a:prstGeom>
-          <a:noFill/>
-          <a:ln w="9525">
-            <a:noFill/>
-          </a:ln>
         </p:spPr>
       </p:pic>
     </p:spTree>
